--- a/SE2019春-G25-项目计划1.0.pptx
+++ b/SE2019春-G25-项目计划1.0.pptx
@@ -222,7 +222,7 @@
           <a:p>
             <a:fld id="{4848E391-FE89-4CC7-9BD0-ACE05D40C667}" type="datetimeFigureOut">
               <a:rPr lang="zh-CN" altLang="en-US" smtClean="0"/>
-              <a:t>2019/3/23</a:t>
+              <a:t>2019/4/15</a:t>
             </a:fld>
             <a:endParaRPr lang="zh-CN" altLang="en-US"/>
           </a:p>
@@ -704,7 +704,7 @@
           <a:p>
             <a:fld id="{8872F5F8-F761-48C6-9267-8C5034088554}" type="datetimeFigureOut">
               <a:rPr lang="zh-CN" altLang="en-US" smtClean="0"/>
-              <a:t>2019/3/23</a:t>
+              <a:t>2019/4/15</a:t>
             </a:fld>
             <a:endParaRPr lang="zh-CN" altLang="en-US"/>
           </a:p>
@@ -874,7 +874,7 @@
           <a:p>
             <a:fld id="{8872F5F8-F761-48C6-9267-8C5034088554}" type="datetimeFigureOut">
               <a:rPr lang="zh-CN" altLang="en-US" smtClean="0"/>
-              <a:t>2019/3/23</a:t>
+              <a:t>2019/4/15</a:t>
             </a:fld>
             <a:endParaRPr lang="zh-CN" altLang="en-US"/>
           </a:p>
@@ -1054,7 +1054,7 @@
           <a:p>
             <a:fld id="{8872F5F8-F761-48C6-9267-8C5034088554}" type="datetimeFigureOut">
               <a:rPr lang="zh-CN" altLang="en-US" smtClean="0"/>
-              <a:t>2019/3/23</a:t>
+              <a:t>2019/4/15</a:t>
             </a:fld>
             <a:endParaRPr lang="zh-CN" altLang="en-US"/>
           </a:p>
@@ -1266,7 +1266,7 @@
           <a:p>
             <a:fld id="{8872F5F8-F761-48C6-9267-8C5034088554}" type="datetimeFigureOut">
               <a:rPr lang="zh-CN" altLang="en-US" smtClean="0"/>
-              <a:t>2019/3/23</a:t>
+              <a:t>2019/4/15</a:t>
             </a:fld>
             <a:endParaRPr lang="zh-CN" altLang="en-US"/>
           </a:p>
@@ -1510,7 +1510,7 @@
           <a:p>
             <a:fld id="{8872F5F8-F761-48C6-9267-8C5034088554}" type="datetimeFigureOut">
               <a:rPr lang="zh-CN" altLang="en-US" smtClean="0"/>
-              <a:t>2019/3/23</a:t>
+              <a:t>2019/4/15</a:t>
             </a:fld>
             <a:endParaRPr lang="zh-CN" altLang="en-US"/>
           </a:p>
@@ -1742,7 +1742,7 @@
           <a:p>
             <a:fld id="{8872F5F8-F761-48C6-9267-8C5034088554}" type="datetimeFigureOut">
               <a:rPr lang="zh-CN" altLang="en-US" smtClean="0"/>
-              <a:t>2019/3/23</a:t>
+              <a:t>2019/4/15</a:t>
             </a:fld>
             <a:endParaRPr lang="zh-CN" altLang="en-US"/>
           </a:p>
@@ -2109,7 +2109,7 @@
           <a:p>
             <a:fld id="{8872F5F8-F761-48C6-9267-8C5034088554}" type="datetimeFigureOut">
               <a:rPr lang="zh-CN" altLang="en-US" smtClean="0"/>
-              <a:t>2019/3/23</a:t>
+              <a:t>2019/4/15</a:t>
             </a:fld>
             <a:endParaRPr lang="zh-CN" altLang="en-US"/>
           </a:p>
@@ -2227,7 +2227,7 @@
           <a:p>
             <a:fld id="{8872F5F8-F761-48C6-9267-8C5034088554}" type="datetimeFigureOut">
               <a:rPr lang="zh-CN" altLang="en-US" smtClean="0"/>
-              <a:t>2019/3/23</a:t>
+              <a:t>2019/4/15</a:t>
             </a:fld>
             <a:endParaRPr lang="zh-CN" altLang="en-US"/>
           </a:p>
@@ -2322,7 +2322,7 @@
           <a:p>
             <a:fld id="{8872F5F8-F761-48C6-9267-8C5034088554}" type="datetimeFigureOut">
               <a:rPr lang="zh-CN" altLang="en-US" smtClean="0"/>
-              <a:t>2019/3/23</a:t>
+              <a:t>2019/4/15</a:t>
             </a:fld>
             <a:endParaRPr lang="zh-CN" altLang="en-US"/>
           </a:p>
@@ -2599,7 +2599,7 @@
           <a:p>
             <a:fld id="{8872F5F8-F761-48C6-9267-8C5034088554}" type="datetimeFigureOut">
               <a:rPr lang="zh-CN" altLang="en-US" smtClean="0"/>
-              <a:t>2019/3/23</a:t>
+              <a:t>2019/4/15</a:t>
             </a:fld>
             <a:endParaRPr lang="zh-CN" altLang="en-US"/>
           </a:p>
@@ -2856,7 +2856,7 @@
           <a:p>
             <a:fld id="{8872F5F8-F761-48C6-9267-8C5034088554}" type="datetimeFigureOut">
               <a:rPr lang="zh-CN" altLang="en-US" smtClean="0"/>
-              <a:t>2019/3/23</a:t>
+              <a:t>2019/4/15</a:t>
             </a:fld>
             <a:endParaRPr lang="zh-CN" altLang="en-US"/>
           </a:p>
@@ -3072,7 +3072,7 @@
           <a:p>
             <a:fld id="{8872F5F8-F761-48C6-9267-8C5034088554}" type="datetimeFigureOut">
               <a:rPr lang="zh-CN" altLang="en-US" smtClean="0"/>
-              <a:t>2019/3/23</a:t>
+              <a:t>2019/4/15</a:t>
             </a:fld>
             <a:endParaRPr lang="zh-CN" altLang="en-US"/>
           </a:p>
@@ -7791,7 +7791,7 @@
           <p:nvPr>
             <p:extLst>
               <p:ext uri="{D42A27DB-BD31-4B8C-83A1-F6EECF244321}">
-                <p14:modId xmlns:p14="http://schemas.microsoft.com/office/powerpoint/2010/main" val="269427604"/>
+                <p14:modId xmlns:p14="http://schemas.microsoft.com/office/powerpoint/2010/main" val="1132532729"/>
               </p:ext>
             </p:extLst>
           </p:nvPr>
@@ -8133,12 +8133,12 @@
                         </a:spcAft>
                       </a:pPr>
                       <a:r>
-                        <a:rPr lang="zh-CN" sz="1050" kern="100">
+                        <a:rPr lang="zh-CN" altLang="en-US" sz="1050" kern="100" dirty="0">
                           <a:effectLst/>
                         </a:rPr>
-                        <a:t>苏碧青、蓝舒雯、陈铭阳、刘乐威</a:t>
+                        <a:t>方绪俊、赵雨泽、王子超</a:t>
                       </a:r>
-                      <a:endParaRPr lang="zh-CN" sz="1050" kern="100">
+                      <a:endParaRPr lang="zh-CN" sz="1050" kern="100" dirty="0">
                         <a:effectLst/>
                         <a:latin typeface="Times New Roman" charset="0"/>
                         <a:ea typeface="宋体" charset="-122"/>
